--- a/Presentations/ARC 6 PROJECT/ARC6-2016.pptx
+++ b/Presentations/ARC 6 PROJECT/ARC6-2016.pptx
@@ -5045,20 +5045,7 @@
                   <a:ea typeface="Consolas" charset="0"/>
                   <a:cs typeface="Consolas" charset="0"/>
                 </a:rPr>
-                <a:t> </a:t>
-              </a:r>
-              <a:r>
-                <a:rPr lang="fr-FR" sz="1200" i="1" dirty="0" smtClean="0">
-                  <a:solidFill>
-                    <a:schemeClr val="tx1">
-                      <a:lumMod val="65000"/>
-                      <a:lumOff val="35000"/>
-                    </a:schemeClr>
-                  </a:solidFill>
-                  <a:ea typeface="Consolas" charset="0"/>
-                  <a:cs typeface="Consolas" charset="0"/>
-                </a:rPr>
-                <a:t>data sources </a:t>
+                <a:t> data sources </a:t>
               </a:r>
               <a:r>
                 <a:rPr lang="en-GB" sz="1200" i="1" dirty="0" smtClean="0">
@@ -5122,16 +5109,6 @@
                 </a:rPr>
                 <a:t>Exported schemata</a:t>
               </a:r>
-              <a:endParaRPr lang="en-US" sz="1200" i="1" dirty="0" smtClean="0">
-                <a:solidFill>
-                  <a:schemeClr val="tx1">
-                    <a:lumMod val="65000"/>
-                    <a:lumOff val="35000"/>
-                  </a:schemeClr>
-                </a:solidFill>
-                <a:ea typeface="Consolas" charset="0"/>
-                <a:cs typeface="Consolas" charset="0"/>
-              </a:endParaRPr>
             </a:p>
           </p:txBody>
         </p:sp>
@@ -5171,16 +5148,6 @@
                 </a:rPr>
                 <a:t>Global schema</a:t>
               </a:r>
-              <a:endParaRPr lang="fr-FR" sz="1200" i="1" dirty="0" smtClean="0">
-                <a:solidFill>
-                  <a:schemeClr val="tx1">
-                    <a:lumMod val="65000"/>
-                    <a:lumOff val="35000"/>
-                  </a:schemeClr>
-                </a:solidFill>
-                <a:ea typeface="Consolas" charset="0"/>
-                <a:cs typeface="Consolas" charset="0"/>
-              </a:endParaRPr>
             </a:p>
           </p:txBody>
         </p:sp>
@@ -5523,11 +5490,7 @@
             </a:r>
             <a:r>
               <a:rPr lang="is-IS" sz="1400" i="1" dirty="0" smtClean="0"/>
-              <a:t>Domenig &amp; Dittrich 1999 Sigmod </a:t>
-            </a:r>
-            <a:r>
-              <a:rPr lang="is-IS" sz="1400" i="1" dirty="0" smtClean="0"/>
-              <a:t>Record)</a:t>
+              <a:t>Domenig &amp; Dittrich 1999 Sigmod Record)</a:t>
             </a:r>
             <a:endParaRPr lang="en-GB" sz="1400" i="1" dirty="0"/>
           </a:p>
@@ -6256,16 +6219,6 @@
                 </a:rPr>
                 <a:t>Distributed data services</a:t>
               </a:r>
-              <a:endParaRPr lang="fr-FR" sz="1200" i="1" dirty="0" smtClean="0">
-                <a:solidFill>
-                  <a:schemeClr val="tx1">
-                    <a:lumMod val="65000"/>
-                    <a:lumOff val="35000"/>
-                  </a:schemeClr>
-                </a:solidFill>
-                <a:ea typeface="Consolas" charset="0"/>
-                <a:cs typeface="Consolas" charset="0"/>
-              </a:endParaRPr>
             </a:p>
           </p:txBody>
         </p:sp>
@@ -6305,16 +6258,6 @@
                 </a:rPr>
                 <a:t>Exported API</a:t>
               </a:r>
-              <a:endParaRPr lang="en-US" sz="1200" i="1" dirty="0" smtClean="0">
-                <a:solidFill>
-                  <a:schemeClr val="tx1">
-                    <a:lumMod val="65000"/>
-                    <a:lumOff val="35000"/>
-                  </a:schemeClr>
-                </a:solidFill>
-                <a:ea typeface="Consolas" charset="0"/>
-                <a:cs typeface="Consolas" charset="0"/>
-              </a:endParaRPr>
             </a:p>
           </p:txBody>
         </p:sp>
@@ -6668,14 +6611,14 @@
               </a:ln>
               <a:extLst>
                 <a:ext uri="{909E8E84-426E-40dd-AFC4-6F175D3DCCD1}">
-                  <a14:hiddenFill xmlns:a14="http://schemas.microsoft.com/office/drawing/2010/main" xmlns="">
+                  <a14:hiddenFill xmlns="" xmlns:a14="http://schemas.microsoft.com/office/drawing/2010/main">
                     <a:solidFill>
                       <a:srgbClr val="FFFFFF"/>
                     </a:solidFill>
                   </a14:hiddenFill>
                 </a:ext>
                 <a:ext uri="{91240B29-F687-4f45-9708-019B960494DF}">
-                  <a14:hiddenLine xmlns:a14="http://schemas.microsoft.com/office/drawing/2010/main" xmlns="" w="9525">
+                  <a14:hiddenLine xmlns="" xmlns:a14="http://schemas.microsoft.com/office/drawing/2010/main" w="9525">
                     <a:solidFill>
                       <a:srgbClr val="000000"/>
                     </a:solidFill>
@@ -6729,14 +6672,14 @@
               </a:ln>
               <a:extLst>
                 <a:ext uri="{909E8E84-426E-40dd-AFC4-6F175D3DCCD1}">
-                  <a14:hiddenFill xmlns:a14="http://schemas.microsoft.com/office/drawing/2010/main" xmlns="">
+                  <a14:hiddenFill xmlns="" xmlns:a14="http://schemas.microsoft.com/office/drawing/2010/main">
                     <a:solidFill>
                       <a:srgbClr val="FFFFFF"/>
                     </a:solidFill>
                   </a14:hiddenFill>
                 </a:ext>
                 <a:ext uri="{91240B29-F687-4f45-9708-019B960494DF}">
-                  <a14:hiddenLine xmlns:a14="http://schemas.microsoft.com/office/drawing/2010/main" xmlns="" w="9525">
+                  <a14:hiddenLine xmlns="" xmlns:a14="http://schemas.microsoft.com/office/drawing/2010/main" w="9525">
                     <a:solidFill>
                       <a:srgbClr val="000000"/>
                     </a:solidFill>
@@ -6790,14 +6733,14 @@
               </a:ln>
               <a:extLst>
                 <a:ext uri="{909E8E84-426E-40dd-AFC4-6F175D3DCCD1}">
-                  <a14:hiddenFill xmlns:a14="http://schemas.microsoft.com/office/drawing/2010/main" xmlns="">
+                  <a14:hiddenFill xmlns="" xmlns:a14="http://schemas.microsoft.com/office/drawing/2010/main">
                     <a:solidFill>
                       <a:srgbClr val="FFFFFF"/>
                     </a:solidFill>
                   </a14:hiddenFill>
                 </a:ext>
                 <a:ext uri="{91240B29-F687-4f45-9708-019B960494DF}">
-                  <a14:hiddenLine xmlns:a14="http://schemas.microsoft.com/office/drawing/2010/main" xmlns="" w="9525">
+                  <a14:hiddenLine xmlns="" xmlns:a14="http://schemas.microsoft.com/office/drawing/2010/main" w="9525">
                     <a:solidFill>
                       <a:srgbClr val="000000"/>
                     </a:solidFill>
@@ -6831,14 +6774,14 @@
               </a:ln>
               <a:extLst>
                 <a:ext uri="{909E8E84-426E-40dd-AFC4-6F175D3DCCD1}">
-                  <a14:hiddenFill xmlns:a14="http://schemas.microsoft.com/office/drawing/2010/main" xmlns="">
+                  <a14:hiddenFill xmlns="" xmlns:a14="http://schemas.microsoft.com/office/drawing/2010/main">
                     <a:solidFill>
                       <a:srgbClr val="FFFFFF"/>
                     </a:solidFill>
                   </a14:hiddenFill>
                 </a:ext>
                 <a:ext uri="{91240B29-F687-4f45-9708-019B960494DF}">
-                  <a14:hiddenLine xmlns:a14="http://schemas.microsoft.com/office/drawing/2010/main" xmlns="" w="9525">
+                  <a14:hiddenLine xmlns="" xmlns:a14="http://schemas.microsoft.com/office/drawing/2010/main" w="9525">
                     <a:solidFill>
                       <a:srgbClr val="000000"/>
                     </a:solidFill>
@@ -7421,136 +7364,7 @@
   <p:timing>
     <p:tnLst>
       <p:par>
-        <p:cTn id="1" dur="indefinite" restart="never" nodeType="tmRoot">
-          <p:childTnLst>
-            <p:seq concurrent="1" nextAc="seek">
-              <p:cTn id="2" dur="indefinite" nodeType="mainSeq">
-                <p:childTnLst>
-                  <p:par>
-                    <p:cTn id="3" fill="hold">
-                      <p:stCondLst>
-                        <p:cond delay="indefinite"/>
-                      </p:stCondLst>
-                      <p:childTnLst>
-                        <p:par>
-                          <p:cTn id="4" fill="hold">
-                            <p:stCondLst>
-                              <p:cond delay="0"/>
-                            </p:stCondLst>
-                            <p:childTnLst>
-                              <p:par>
-                                <p:cTn id="5" presetID="10" presetClass="entr" presetSubtype="0" fill="hold" nodeType="clickEffect">
-                                  <p:stCondLst>
-                                    <p:cond delay="0"/>
-                                  </p:stCondLst>
-                                  <p:childTnLst>
-                                    <p:set>
-                                      <p:cBhvr>
-                                        <p:cTn id="6" dur="1" fill="hold">
-                                          <p:stCondLst>
-                                            <p:cond delay="0"/>
-                                          </p:stCondLst>
-                                        </p:cTn>
-                                        <p:tgtEl>
-                                          <p:spTgt spid="63"/>
-                                        </p:tgtEl>
-                                        <p:attrNameLst>
-                                          <p:attrName>style.visibility</p:attrName>
-                                        </p:attrNameLst>
-                                      </p:cBhvr>
-                                      <p:to>
-                                        <p:strVal val="visible"/>
-                                      </p:to>
-                                    </p:set>
-                                    <p:animEffect transition="in" filter="fade">
-                                      <p:cBhvr>
-                                        <p:cTn id="7" dur="500"/>
-                                        <p:tgtEl>
-                                          <p:spTgt spid="63"/>
-                                        </p:tgtEl>
-                                      </p:cBhvr>
-                                    </p:animEffect>
-                                  </p:childTnLst>
-                                </p:cTn>
-                              </p:par>
-                            </p:childTnLst>
-                          </p:cTn>
-                        </p:par>
-                      </p:childTnLst>
-                    </p:cTn>
-                  </p:par>
-                  <p:par>
-                    <p:cTn id="8" fill="hold">
-                      <p:stCondLst>
-                        <p:cond delay="indefinite"/>
-                      </p:stCondLst>
-                      <p:childTnLst>
-                        <p:par>
-                          <p:cTn id="9" fill="hold">
-                            <p:stCondLst>
-                              <p:cond delay="0"/>
-                            </p:stCondLst>
-                            <p:childTnLst>
-                              <p:par>
-                                <p:cTn id="10" presetID="10" presetClass="entr" presetSubtype="0" fill="hold" nodeType="clickEffect">
-                                  <p:stCondLst>
-                                    <p:cond delay="0"/>
-                                  </p:stCondLst>
-                                  <p:childTnLst>
-                                    <p:set>
-                                      <p:cBhvr>
-                                        <p:cTn id="11" dur="1" fill="hold">
-                                          <p:stCondLst>
-                                            <p:cond delay="0"/>
-                                          </p:stCondLst>
-                                        </p:cTn>
-                                        <p:tgtEl>
-                                          <p:spTgt spid="49"/>
-                                        </p:tgtEl>
-                                        <p:attrNameLst>
-                                          <p:attrName>style.visibility</p:attrName>
-                                        </p:attrNameLst>
-                                      </p:cBhvr>
-                                      <p:to>
-                                        <p:strVal val="visible"/>
-                                      </p:to>
-                                    </p:set>
-                                    <p:animEffect transition="in" filter="fade">
-                                      <p:cBhvr>
-                                        <p:cTn id="12" dur="500"/>
-                                        <p:tgtEl>
-                                          <p:spTgt spid="49"/>
-                                        </p:tgtEl>
-                                      </p:cBhvr>
-                                    </p:animEffect>
-                                  </p:childTnLst>
-                                </p:cTn>
-                              </p:par>
-                            </p:childTnLst>
-                          </p:cTn>
-                        </p:par>
-                      </p:childTnLst>
-                    </p:cTn>
-                  </p:par>
-                </p:childTnLst>
-              </p:cTn>
-              <p:prevCondLst>
-                <p:cond evt="onPrev" delay="0">
-                  <p:tgtEl>
-                    <p:sldTgt/>
-                  </p:tgtEl>
-                </p:cond>
-              </p:prevCondLst>
-              <p:nextCondLst>
-                <p:cond evt="onNext" delay="0">
-                  <p:tgtEl>
-                    <p:sldTgt/>
-                  </p:tgtEl>
-                </p:cond>
-              </p:nextCondLst>
-            </p:seq>
-          </p:childTnLst>
-        </p:cTn>
+        <p:cTn id="1" dur="indefinite" restart="never" nodeType="tmRoot"/>
       </p:par>
     </p:tnLst>
   </p:timing>

--- a/Presentations/ARC 6 PROJECT/ARC6-2016.pptx
+++ b/Presentations/ARC 6 PROJECT/ARC6-2016.pptx
@@ -9,7 +9,11 @@
     <p:sldId id="274" r:id="rId3"/>
     <p:sldId id="275" r:id="rId4"/>
     <p:sldId id="276" r:id="rId5"/>
-    <p:sldId id="277" r:id="rId6"/>
+    <p:sldId id="278" r:id="rId6"/>
+    <p:sldId id="279" r:id="rId7"/>
+    <p:sldId id="280" r:id="rId8"/>
+    <p:sldId id="281" r:id="rId9"/>
+    <p:sldId id="283" r:id="rId10"/>
   </p:sldIdLst>
   <p:sldSz cx="12192000" cy="6858000"/>
   <p:notesSz cx="6858000" cy="9144000"/>
@@ -519,7 +523,7 @@
           <a:p>
             <a:fld id="{549717E5-222D-4BDD-8C8C-AB21F9E59ACC}" type="datetimeFigureOut">
               <a:rPr lang="fr-FR" smtClean="0"/>
-              <a:t>26/10/2016</a:t>
+              <a:t>31/10/2016</a:t>
             </a:fld>
             <a:endParaRPr lang="fr-FR"/>
           </a:p>
@@ -698,7 +702,7 @@
           <a:p>
             <a:fld id="{549717E5-222D-4BDD-8C8C-AB21F9E59ACC}" type="datetimeFigureOut">
               <a:rPr lang="fr-FR" smtClean="0"/>
-              <a:t>26/10/2016</a:t>
+              <a:t>31/10/2016</a:t>
             </a:fld>
             <a:endParaRPr lang="fr-FR"/>
           </a:p>
@@ -878,7 +882,7 @@
           <a:p>
             <a:fld id="{549717E5-222D-4BDD-8C8C-AB21F9E59ACC}" type="datetimeFigureOut">
               <a:rPr lang="fr-FR" smtClean="0"/>
-              <a:t>26/10/2016</a:t>
+              <a:t>31/10/2016</a:t>
             </a:fld>
             <a:endParaRPr lang="fr-FR"/>
           </a:p>
@@ -1048,7 +1052,7 @@
           <a:p>
             <a:fld id="{549717E5-222D-4BDD-8C8C-AB21F9E59ACC}" type="datetimeFigureOut">
               <a:rPr lang="fr-FR" smtClean="0"/>
-              <a:t>26/10/2016</a:t>
+              <a:t>31/10/2016</a:t>
             </a:fld>
             <a:endParaRPr lang="fr-FR"/>
           </a:p>
@@ -1361,7 +1365,7 @@
           <a:p>
             <a:fld id="{549717E5-222D-4BDD-8C8C-AB21F9E59ACC}" type="datetimeFigureOut">
               <a:rPr lang="fr-FR" smtClean="0"/>
-              <a:t>26/10/2016</a:t>
+              <a:t>31/10/2016</a:t>
             </a:fld>
             <a:endParaRPr lang="fr-FR"/>
           </a:p>
@@ -1747,7 +1751,7 @@
           <a:p>
             <a:fld id="{549717E5-222D-4BDD-8C8C-AB21F9E59ACC}" type="datetimeFigureOut">
               <a:rPr lang="fr-FR" smtClean="0"/>
-              <a:t>26/10/2016</a:t>
+              <a:t>31/10/2016</a:t>
             </a:fld>
             <a:endParaRPr lang="fr-FR"/>
           </a:p>
@@ -2181,7 +2185,7 @@
           <a:p>
             <a:fld id="{549717E5-222D-4BDD-8C8C-AB21F9E59ACC}" type="datetimeFigureOut">
               <a:rPr lang="fr-FR" smtClean="0"/>
-              <a:t>26/10/2016</a:t>
+              <a:t>31/10/2016</a:t>
             </a:fld>
             <a:endParaRPr lang="fr-FR"/>
           </a:p>
@@ -2299,7 +2303,7 @@
           <a:p>
             <a:fld id="{549717E5-222D-4BDD-8C8C-AB21F9E59ACC}" type="datetimeFigureOut">
               <a:rPr lang="fr-FR" smtClean="0"/>
-              <a:t>26/10/2016</a:t>
+              <a:t>31/10/2016</a:t>
             </a:fld>
             <a:endParaRPr lang="fr-FR"/>
           </a:p>
@@ -2394,7 +2398,7 @@
           <a:p>
             <a:fld id="{549717E5-222D-4BDD-8C8C-AB21F9E59ACC}" type="datetimeFigureOut">
               <a:rPr lang="fr-FR" smtClean="0"/>
-              <a:t>26/10/2016</a:t>
+              <a:t>31/10/2016</a:t>
             </a:fld>
             <a:endParaRPr lang="fr-FR"/>
           </a:p>
@@ -2744,7 +2748,7 @@
           <a:p>
             <a:fld id="{549717E5-222D-4BDD-8C8C-AB21F9E59ACC}" type="datetimeFigureOut">
               <a:rPr lang="fr-FR" smtClean="0"/>
-              <a:t>26/10/2016</a:t>
+              <a:t>31/10/2016</a:t>
             </a:fld>
             <a:endParaRPr lang="fr-FR"/>
           </a:p>
@@ -3169,7 +3173,7 @@
           <a:p>
             <a:fld id="{549717E5-222D-4BDD-8C8C-AB21F9E59ACC}" type="datetimeFigureOut">
               <a:rPr lang="fr-FR" smtClean="0"/>
-              <a:t>26/10/2016</a:t>
+              <a:t>31/10/2016</a:t>
             </a:fld>
             <a:endParaRPr lang="fr-FR"/>
           </a:p>
@@ -3450,7 +3454,7 @@
           <a:p>
             <a:fld id="{549717E5-222D-4BDD-8C8C-AB21F9E59ACC}" type="datetimeFigureOut">
               <a:rPr lang="fr-FR" smtClean="0"/>
-              <a:t>26/10/2016</a:t>
+              <a:t>31/10/2016</a:t>
             </a:fld>
             <a:endParaRPr lang="fr-FR"/>
           </a:p>
@@ -6612,14 +6616,14 @@
               </a:ln>
               <a:extLst>
                 <a:ext uri="{909E8E84-426E-40dd-AFC4-6F175D3DCCD1}">
-                  <a14:hiddenFill xmlns:a14="http://schemas.microsoft.com/office/drawing/2010/main" xmlns="">
+                  <a14:hiddenFill xmlns="" xmlns:a14="http://schemas.microsoft.com/office/drawing/2010/main">
                     <a:solidFill>
                       <a:srgbClr val="FFFFFF"/>
                     </a:solidFill>
                   </a14:hiddenFill>
                 </a:ext>
                 <a:ext uri="{91240B29-F687-4f45-9708-019B960494DF}">
-                  <a14:hiddenLine xmlns:a14="http://schemas.microsoft.com/office/drawing/2010/main" xmlns="" w="9525">
+                  <a14:hiddenLine xmlns="" xmlns:a14="http://schemas.microsoft.com/office/drawing/2010/main" w="9525">
                     <a:solidFill>
                       <a:srgbClr val="000000"/>
                     </a:solidFill>
@@ -6673,14 +6677,14 @@
               </a:ln>
               <a:extLst>
                 <a:ext uri="{909E8E84-426E-40dd-AFC4-6F175D3DCCD1}">
-                  <a14:hiddenFill xmlns:a14="http://schemas.microsoft.com/office/drawing/2010/main" xmlns="">
+                  <a14:hiddenFill xmlns="" xmlns:a14="http://schemas.microsoft.com/office/drawing/2010/main">
                     <a:solidFill>
                       <a:srgbClr val="FFFFFF"/>
                     </a:solidFill>
                   </a14:hiddenFill>
                 </a:ext>
                 <a:ext uri="{91240B29-F687-4f45-9708-019B960494DF}">
-                  <a14:hiddenLine xmlns:a14="http://schemas.microsoft.com/office/drawing/2010/main" xmlns="" w="9525">
+                  <a14:hiddenLine xmlns="" xmlns:a14="http://schemas.microsoft.com/office/drawing/2010/main" w="9525">
                     <a:solidFill>
                       <a:srgbClr val="000000"/>
                     </a:solidFill>
@@ -6734,14 +6738,14 @@
               </a:ln>
               <a:extLst>
                 <a:ext uri="{909E8E84-426E-40dd-AFC4-6F175D3DCCD1}">
-                  <a14:hiddenFill xmlns:a14="http://schemas.microsoft.com/office/drawing/2010/main" xmlns="">
+                  <a14:hiddenFill xmlns="" xmlns:a14="http://schemas.microsoft.com/office/drawing/2010/main">
                     <a:solidFill>
                       <a:srgbClr val="FFFFFF"/>
                     </a:solidFill>
                   </a14:hiddenFill>
                 </a:ext>
                 <a:ext uri="{91240B29-F687-4f45-9708-019B960494DF}">
-                  <a14:hiddenLine xmlns:a14="http://schemas.microsoft.com/office/drawing/2010/main" xmlns="" w="9525">
+                  <a14:hiddenLine xmlns="" xmlns:a14="http://schemas.microsoft.com/office/drawing/2010/main" w="9525">
                     <a:solidFill>
                       <a:srgbClr val="000000"/>
                     </a:solidFill>
@@ -6775,14 +6779,14 @@
               </a:ln>
               <a:extLst>
                 <a:ext uri="{909E8E84-426E-40dd-AFC4-6F175D3DCCD1}">
-                  <a14:hiddenFill xmlns:a14="http://schemas.microsoft.com/office/drawing/2010/main" xmlns="">
+                  <a14:hiddenFill xmlns="" xmlns:a14="http://schemas.microsoft.com/office/drawing/2010/main">
                     <a:solidFill>
                       <a:srgbClr val="FFFFFF"/>
                     </a:solidFill>
                   </a14:hiddenFill>
                 </a:ext>
                 <a:ext uri="{91240B29-F687-4f45-9708-019B960494DF}">
-                  <a14:hiddenLine xmlns:a14="http://schemas.microsoft.com/office/drawing/2010/main" xmlns="" w="9525">
+                  <a14:hiddenLine xmlns="" xmlns:a14="http://schemas.microsoft.com/office/drawing/2010/main" w="9525">
                     <a:solidFill>
                       <a:srgbClr val="000000"/>
                     </a:solidFill>
@@ -7593,7 +7597,7 @@
           <a:p>
             <a:r>
               <a:rPr lang="fr-FR" dirty="0" smtClean="0"/>
-              <a:t>contributions</a:t>
+              <a:t>Contributions</a:t>
             </a:r>
             <a:endParaRPr lang="fr-FR" dirty="0"/>
           </a:p>
@@ -7612,58 +7616,1458 @@
         <p:spPr/>
         <p:txBody>
           <a:bodyPr>
-            <a:normAutofit fontScale="92500" lnSpcReduction="10000"/>
+            <a:normAutofit/>
           </a:bodyPr>
           <a:lstStyle/>
           <a:p>
             <a:r>
-              <a:rPr lang="en-US" dirty="0" smtClean="0"/>
-              <a:t>Problem statement and state of art: Systematic mapping (DEXA 2015)</a:t>
-            </a:r>
-          </a:p>
-          <a:p>
-            <a:endParaRPr lang="en-US" dirty="0" smtClean="0"/>
-          </a:p>
-          <a:p>
-            <a:r>
-              <a:rPr lang="en-US" dirty="0" smtClean="0"/>
-              <a:t>Design, formalization and implementation of a query rewriting algorithm for data integration taking into account user preferences and services’ quality aspects defined on SLA contracts (ADBIS 2016 / ICSOC 2016)</a:t>
-            </a:r>
-          </a:p>
-          <a:p>
-            <a:endParaRPr lang="en-US" dirty="0" smtClean="0"/>
-          </a:p>
-          <a:p>
-            <a:r>
-              <a:rPr lang="en-US" dirty="0" smtClean="0"/>
-              <a:t>Design of the metamodel for data integration in a multi-cloud context (ICSOC 2016)</a:t>
-            </a:r>
-          </a:p>
-          <a:p>
-            <a:endParaRPr lang="en-US" dirty="0" smtClean="0"/>
-          </a:p>
-          <a:p>
-            <a:r>
-              <a:rPr lang="en-US" dirty="0" smtClean="0"/>
-              <a:t>Design of the different types of SLA: Cloud SLA, Service SLA and Integration SLA</a:t>
-            </a:r>
-          </a:p>
-          <a:p>
-            <a:endParaRPr lang="en-US" dirty="0" smtClean="0"/>
-          </a:p>
-          <a:p>
-            <a:r>
-              <a:rPr lang="en-US" dirty="0" smtClean="0"/>
-              <a:t>Formalization of the incoming query variations and the integration reusability solution </a:t>
-            </a:r>
-            <a:endParaRPr lang="en-US" dirty="0"/>
+              <a:rPr lang="fr-FR" dirty="0" smtClean="0">
+                <a:solidFill>
+                  <a:srgbClr val="FF0066"/>
+                </a:solidFill>
+              </a:rPr>
+              <a:t>Systematic mapping</a:t>
+            </a:r>
+            <a:r>
+              <a:rPr lang="fr-FR" dirty="0" smtClean="0"/>
+              <a:t> </a:t>
+            </a:r>
+            <a:r>
+              <a:rPr lang="fr-FR" dirty="0" smtClean="0">
+                <a:solidFill>
+                  <a:srgbClr val="FF0066"/>
+                </a:solidFill>
+              </a:rPr>
+              <a:t>methodology</a:t>
+            </a:r>
+            <a:r>
+              <a:rPr lang="fr-FR" dirty="0" smtClean="0"/>
+              <a:t> to build the corpus of the state of the art and to identify new trends and open issues around our research topic.</a:t>
+            </a:r>
+          </a:p>
+        </p:txBody>
+      </p:sp>
+      <p:pic>
+        <p:nvPicPr>
+          <p:cNvPr id="4" name="Picture 6" descr="Data-Quality-DI.pdf"/>
+          <p:cNvPicPr>
+            <a:picLocks noChangeAspect="1"/>
+          </p:cNvPicPr>
+          <p:nvPr/>
+        </p:nvPicPr>
+        <p:blipFill rotWithShape="1">
+          <a:blip r:embed="rId2">
+            <a:extLst>
+              <a:ext uri="{28A0092B-C50C-407E-A947-70E740481C1C}">
+                <a14:useLocalDpi xmlns:a14="http://schemas.microsoft.com/office/drawing/2010/main" val="0"/>
+              </a:ext>
+            </a:extLst>
+          </a:blip>
+          <a:srcRect t="6423"/>
+          <a:stretch/>
+        </p:blipFill>
+        <p:spPr>
+          <a:xfrm>
+            <a:off x="5115186" y="2712945"/>
+            <a:ext cx="6013062" cy="3661360"/>
+          </a:xfrm>
+          <a:prstGeom prst="rect">
+            <a:avLst/>
+          </a:prstGeom>
+        </p:spPr>
+      </p:pic>
+      <p:sp>
+        <p:nvSpPr>
+          <p:cNvPr id="5" name="CaixaDeTexto 4"/>
+          <p:cNvSpPr txBox="1"/>
+          <p:nvPr/>
+        </p:nvSpPr>
+        <p:spPr>
+          <a:xfrm>
+            <a:off x="194275" y="6375400"/>
+            <a:ext cx="11093485" cy="646331"/>
+          </a:xfrm>
+          <a:prstGeom prst="rect">
+            <a:avLst/>
+          </a:prstGeom>
+          <a:noFill/>
+        </p:spPr>
+        <p:txBody>
+          <a:bodyPr wrap="square" rtlCol="0">
+            <a:spAutoFit/>
+          </a:bodyPr>
+          <a:lstStyle/>
+          <a:p>
+            <a:r>
+              <a:rPr lang="en-US" sz="1200" dirty="0"/>
+              <a:t>D. A. S. Carvalho, P. A. Souza Neto, G. Vargas-Solar, N. Bennani, C. Ghedira, </a:t>
+            </a:r>
+            <a:r>
+              <a:rPr lang="en-US" sz="1200" b="1" dirty="0"/>
+              <a:t>Can Data Integration Quality be Enhanced on Multi-cloud using SLA?</a:t>
+            </a:r>
+            <a:r>
+              <a:rPr lang="en-US" sz="1200" dirty="0"/>
+              <a:t>, In 26th Int. Conf. on Database and Expert Systems Applications, Spain, 2015.</a:t>
+            </a:r>
+          </a:p>
+          <a:p>
+            <a:endParaRPr lang="fr-FR" sz="1200" dirty="0"/>
+          </a:p>
+        </p:txBody>
+      </p:sp>
+      <p:graphicFrame>
+        <p:nvGraphicFramePr>
+          <p:cNvPr id="6" name="Table 4"/>
+          <p:cNvGraphicFramePr>
+            <a:graphicFrameLocks noGrp="1"/>
+          </p:cNvGraphicFramePr>
+          <p:nvPr>
+            <p:extLst>
+              <p:ext uri="{D42A27DB-BD31-4B8C-83A1-F6EECF244321}">
+                <p14:modId xmlns:p14="http://schemas.microsoft.com/office/powerpoint/2010/main" val="1081062827"/>
+              </p:ext>
+            </p:extLst>
+          </p:nvPr>
+        </p:nvGraphicFramePr>
+        <p:xfrm>
+          <a:off x="429018" y="3513176"/>
+          <a:ext cx="4686168" cy="1773048"/>
+        </p:xfrm>
+        <a:graphic>
+          <a:graphicData uri="http://schemas.openxmlformats.org/drawingml/2006/table">
+            <a:tbl>
+              <a:tblPr firstRow="1" bandRow="1">
+                <a:tableStyleId>{5C22544A-7EE6-4342-B048-85BDC9FD1C3A}</a:tableStyleId>
+              </a:tblPr>
+              <a:tblGrid>
+                <a:gridCol w="1171542">
+                  <a:extLst>
+                    <a:ext uri="{9D8B030D-6E8A-4147-A177-3AD203B41FA5}">
+                      <a16:colId xmlns:a16="http://schemas.microsoft.com/office/drawing/2014/main" xmlns="" xmlns:mv="urn:schemas-microsoft-com:mac:vml" xmlns:mc="http://schemas.openxmlformats.org/markup-compatibility/2006" val="20000"/>
+                    </a:ext>
+                  </a:extLst>
+                </a:gridCol>
+                <a:gridCol w="1171542">
+                  <a:extLst>
+                    <a:ext uri="{9D8B030D-6E8A-4147-A177-3AD203B41FA5}">
+                      <a16:colId xmlns:a16="http://schemas.microsoft.com/office/drawing/2014/main" xmlns="" xmlns:mv="urn:schemas-microsoft-com:mac:vml" xmlns:mc="http://schemas.openxmlformats.org/markup-compatibility/2006" val="20001"/>
+                    </a:ext>
+                  </a:extLst>
+                </a:gridCol>
+                <a:gridCol w="1171542">
+                  <a:extLst>
+                    <a:ext uri="{9D8B030D-6E8A-4147-A177-3AD203B41FA5}">
+                      <a16:colId xmlns:a16="http://schemas.microsoft.com/office/drawing/2014/main" xmlns="" xmlns:mv="urn:schemas-microsoft-com:mac:vml" xmlns:mc="http://schemas.openxmlformats.org/markup-compatibility/2006" val="20002"/>
+                    </a:ext>
+                  </a:extLst>
+                </a:gridCol>
+                <a:gridCol w="1171542">
+                  <a:extLst>
+                    <a:ext uri="{9D8B030D-6E8A-4147-A177-3AD203B41FA5}">
+                      <a16:colId xmlns:a16="http://schemas.microsoft.com/office/drawing/2014/main" xmlns="" xmlns:mv="urn:schemas-microsoft-com:mac:vml" xmlns:mc="http://schemas.openxmlformats.org/markup-compatibility/2006" val="20003"/>
+                    </a:ext>
+                  </a:extLst>
+                </a:gridCol>
+              </a:tblGrid>
+              <a:tr h="295508">
+                <a:tc>
+                  <a:txBody>
+                    <a:bodyPr/>
+                    <a:lstStyle/>
+                    <a:p>
+                      <a:pPr algn="ctr"/>
+                      <a:r>
+                        <a:rPr lang="en-US" sz="1200" noProof="0" dirty="0" smtClean="0">
+                          <a:solidFill>
+                            <a:schemeClr val="tx1"/>
+                          </a:solidFill>
+                        </a:rPr>
+                        <a:t>Database</a:t>
+                      </a:r>
+                      <a:endParaRPr lang="en-US" sz="1200" noProof="0" dirty="0">
+                        <a:solidFill>
+                          <a:schemeClr val="tx1"/>
+                        </a:solidFill>
+                      </a:endParaRPr>
+                    </a:p>
+                  </a:txBody>
+                  <a:tcPr marL="57553" marR="57553" marT="28777" marB="28777" anchor="ctr"/>
+                </a:tc>
+                <a:tc>
+                  <a:txBody>
+                    <a:bodyPr/>
+                    <a:lstStyle/>
+                    <a:p>
+                      <a:pPr algn="ctr"/>
+                      <a:r>
+                        <a:rPr lang="en-US" sz="1200" noProof="0" dirty="0" smtClean="0">
+                          <a:solidFill>
+                            <a:schemeClr val="tx1"/>
+                          </a:solidFill>
+                        </a:rPr>
+                        <a:t>Amount</a:t>
+                      </a:r>
+                      <a:endParaRPr lang="en-US" sz="1200" noProof="0" dirty="0">
+                        <a:solidFill>
+                          <a:schemeClr val="tx1"/>
+                        </a:solidFill>
+                      </a:endParaRPr>
+                    </a:p>
+                  </a:txBody>
+                  <a:tcPr marL="57553" marR="57553" marT="28777" marB="28777" anchor="ctr"/>
+                </a:tc>
+                <a:tc>
+                  <a:txBody>
+                    <a:bodyPr/>
+                    <a:lstStyle/>
+                    <a:p>
+                      <a:pPr algn="ctr"/>
+                      <a:r>
+                        <a:rPr lang="en-US" sz="1200" noProof="0" dirty="0" smtClean="0">
+                          <a:solidFill>
+                            <a:schemeClr val="tx1"/>
+                          </a:solidFill>
+                        </a:rPr>
+                        <a:t>Included</a:t>
+                      </a:r>
+                      <a:endParaRPr lang="en-US" sz="1200" noProof="0" dirty="0">
+                        <a:solidFill>
+                          <a:schemeClr val="tx1"/>
+                        </a:solidFill>
+                      </a:endParaRPr>
+                    </a:p>
+                  </a:txBody>
+                  <a:tcPr marL="57553" marR="57553" marT="28777" marB="28777" anchor="ctr"/>
+                </a:tc>
+                <a:tc>
+                  <a:txBody>
+                    <a:bodyPr/>
+                    <a:lstStyle/>
+                    <a:p>
+                      <a:pPr algn="ctr"/>
+                      <a:r>
+                        <a:rPr lang="en-US" sz="1200" noProof="0" dirty="0" smtClean="0">
+                          <a:solidFill>
+                            <a:schemeClr val="tx1"/>
+                          </a:solidFill>
+                        </a:rPr>
+                        <a:t>Excluded</a:t>
+                      </a:r>
+                      <a:endParaRPr lang="en-US" sz="1200" noProof="0" dirty="0">
+                        <a:solidFill>
+                          <a:schemeClr val="tx1"/>
+                        </a:solidFill>
+                      </a:endParaRPr>
+                    </a:p>
+                  </a:txBody>
+                  <a:tcPr marL="57553" marR="57553" marT="28777" marB="28777" anchor="ctr"/>
+                </a:tc>
+                <a:extLst>
+                  <a:ext uri="{0D108BD9-81ED-4DB2-BD59-A6C34878D82A}">
+                    <a16:rowId xmlns:a16="http://schemas.microsoft.com/office/drawing/2014/main" xmlns="" xmlns:mv="urn:schemas-microsoft-com:mac:vml" xmlns:mc="http://schemas.openxmlformats.org/markup-compatibility/2006" val="10000"/>
+                  </a:ext>
+                </a:extLst>
+              </a:tr>
+              <a:tr h="295508">
+                <a:tc>
+                  <a:txBody>
+                    <a:bodyPr/>
+                    <a:lstStyle/>
+                    <a:p>
+                      <a:pPr algn="ctr"/>
+                      <a:r>
+                        <a:rPr lang="en-US" sz="1200" noProof="0" dirty="0" smtClean="0">
+                          <a:solidFill>
+                            <a:schemeClr val="tx1"/>
+                          </a:solidFill>
+                        </a:rPr>
+                        <a:t>IEEE</a:t>
+                      </a:r>
+                      <a:endParaRPr lang="en-US" sz="1200" noProof="0" dirty="0">
+                        <a:solidFill>
+                          <a:schemeClr val="tx1"/>
+                        </a:solidFill>
+                      </a:endParaRPr>
+                    </a:p>
+                  </a:txBody>
+                  <a:tcPr marL="57553" marR="57553" marT="28777" marB="28777" anchor="ctr"/>
+                </a:tc>
+                <a:tc>
+                  <a:txBody>
+                    <a:bodyPr/>
+                    <a:lstStyle/>
+                    <a:p>
+                      <a:pPr algn="ctr"/>
+                      <a:r>
+                        <a:rPr lang="en-US" sz="1200" noProof="0" dirty="0" smtClean="0">
+                          <a:solidFill>
+                            <a:schemeClr val="tx1"/>
+                          </a:solidFill>
+                        </a:rPr>
+                        <a:t>658</a:t>
+                      </a:r>
+                      <a:endParaRPr lang="en-US" sz="1200" noProof="0" dirty="0">
+                        <a:solidFill>
+                          <a:schemeClr val="tx1"/>
+                        </a:solidFill>
+                      </a:endParaRPr>
+                    </a:p>
+                  </a:txBody>
+                  <a:tcPr marL="57553" marR="57553" marT="28777" marB="28777" anchor="ctr"/>
+                </a:tc>
+                <a:tc>
+                  <a:txBody>
+                    <a:bodyPr/>
+                    <a:lstStyle/>
+                    <a:p>
+                      <a:pPr algn="ctr"/>
+                      <a:r>
+                        <a:rPr lang="en-US" sz="1200" noProof="0" dirty="0" smtClean="0">
+                          <a:solidFill>
+                            <a:schemeClr val="tx1"/>
+                          </a:solidFill>
+                        </a:rPr>
+                        <a:t>56</a:t>
+                      </a:r>
+                      <a:endParaRPr lang="en-US" sz="1200" noProof="0" dirty="0">
+                        <a:solidFill>
+                          <a:schemeClr val="tx1"/>
+                        </a:solidFill>
+                      </a:endParaRPr>
+                    </a:p>
+                  </a:txBody>
+                  <a:tcPr marL="57553" marR="57553" marT="28777" marB="28777" anchor="ctr"/>
+                </a:tc>
+                <a:tc>
+                  <a:txBody>
+                    <a:bodyPr/>
+                    <a:lstStyle/>
+                    <a:p>
+                      <a:pPr algn="ctr"/>
+                      <a:r>
+                        <a:rPr lang="en-US" sz="1200" noProof="0" dirty="0" smtClean="0">
+                          <a:solidFill>
+                            <a:schemeClr val="tx1"/>
+                          </a:solidFill>
+                        </a:rPr>
+                        <a:t>602</a:t>
+                      </a:r>
+                      <a:endParaRPr lang="en-US" sz="1200" noProof="0" dirty="0">
+                        <a:solidFill>
+                          <a:schemeClr val="tx1"/>
+                        </a:solidFill>
+                      </a:endParaRPr>
+                    </a:p>
+                  </a:txBody>
+                  <a:tcPr marL="57553" marR="57553" marT="28777" marB="28777" anchor="ctr"/>
+                </a:tc>
+                <a:extLst>
+                  <a:ext uri="{0D108BD9-81ED-4DB2-BD59-A6C34878D82A}">
+                    <a16:rowId xmlns:a16="http://schemas.microsoft.com/office/drawing/2014/main" xmlns="" xmlns:mv="urn:schemas-microsoft-com:mac:vml" xmlns:mc="http://schemas.openxmlformats.org/markup-compatibility/2006" val="10001"/>
+                  </a:ext>
+                </a:extLst>
+              </a:tr>
+              <a:tr h="295508">
+                <a:tc>
+                  <a:txBody>
+                    <a:bodyPr/>
+                    <a:lstStyle/>
+                    <a:p>
+                      <a:pPr algn="ctr"/>
+                      <a:r>
+                        <a:rPr lang="en-US" sz="1200" noProof="0" dirty="0" smtClean="0">
+                          <a:solidFill>
+                            <a:schemeClr val="tx1"/>
+                          </a:solidFill>
+                        </a:rPr>
+                        <a:t>ACM</a:t>
+                      </a:r>
+                      <a:endParaRPr lang="en-US" sz="1200" noProof="0" dirty="0">
+                        <a:solidFill>
+                          <a:schemeClr val="tx1"/>
+                        </a:solidFill>
+                      </a:endParaRPr>
+                    </a:p>
+                  </a:txBody>
+                  <a:tcPr marL="57553" marR="57553" marT="28777" marB="28777" anchor="ctr"/>
+                </a:tc>
+                <a:tc>
+                  <a:txBody>
+                    <a:bodyPr/>
+                    <a:lstStyle/>
+                    <a:p>
+                      <a:pPr algn="ctr"/>
+                      <a:r>
+                        <a:rPr lang="en-US" sz="1200" noProof="0" dirty="0" smtClean="0">
+                          <a:solidFill>
+                            <a:schemeClr val="tx1"/>
+                          </a:solidFill>
+                        </a:rPr>
+                        <a:t>649</a:t>
+                      </a:r>
+                      <a:endParaRPr lang="en-US" sz="1200" noProof="0" dirty="0">
+                        <a:solidFill>
+                          <a:schemeClr val="tx1"/>
+                        </a:solidFill>
+                      </a:endParaRPr>
+                    </a:p>
+                  </a:txBody>
+                  <a:tcPr marL="57553" marR="57553" marT="28777" marB="28777" anchor="ctr"/>
+                </a:tc>
+                <a:tc>
+                  <a:txBody>
+                    <a:bodyPr/>
+                    <a:lstStyle/>
+                    <a:p>
+                      <a:pPr algn="ctr"/>
+                      <a:r>
+                        <a:rPr lang="en-US" sz="1200" noProof="0" dirty="0" smtClean="0">
+                          <a:solidFill>
+                            <a:schemeClr val="tx1"/>
+                          </a:solidFill>
+                        </a:rPr>
+                        <a:t>31</a:t>
+                      </a:r>
+                      <a:endParaRPr lang="en-US" sz="1200" noProof="0" dirty="0">
+                        <a:solidFill>
+                          <a:schemeClr val="tx1"/>
+                        </a:solidFill>
+                      </a:endParaRPr>
+                    </a:p>
+                  </a:txBody>
+                  <a:tcPr marL="57553" marR="57553" marT="28777" marB="28777" anchor="ctr"/>
+                </a:tc>
+                <a:tc>
+                  <a:txBody>
+                    <a:bodyPr/>
+                    <a:lstStyle/>
+                    <a:p>
+                      <a:pPr algn="ctr"/>
+                      <a:r>
+                        <a:rPr lang="en-US" sz="1200" noProof="0" dirty="0" smtClean="0">
+                          <a:solidFill>
+                            <a:schemeClr val="tx1"/>
+                          </a:solidFill>
+                        </a:rPr>
+                        <a:t>618</a:t>
+                      </a:r>
+                      <a:endParaRPr lang="en-US" sz="1200" noProof="0" dirty="0">
+                        <a:solidFill>
+                          <a:schemeClr val="tx1"/>
+                        </a:solidFill>
+                      </a:endParaRPr>
+                    </a:p>
+                  </a:txBody>
+                  <a:tcPr marL="57553" marR="57553" marT="28777" marB="28777" anchor="ctr"/>
+                </a:tc>
+                <a:extLst>
+                  <a:ext uri="{0D108BD9-81ED-4DB2-BD59-A6C34878D82A}">
+                    <a16:rowId xmlns:a16="http://schemas.microsoft.com/office/drawing/2014/main" xmlns="" xmlns:mv="urn:schemas-microsoft-com:mac:vml" xmlns:mc="http://schemas.openxmlformats.org/markup-compatibility/2006" val="10002"/>
+                  </a:ext>
+                </a:extLst>
+              </a:tr>
+              <a:tr h="295508">
+                <a:tc>
+                  <a:txBody>
+                    <a:bodyPr/>
+                    <a:lstStyle/>
+                    <a:p>
+                      <a:pPr algn="ctr"/>
+                      <a:r>
+                        <a:rPr lang="en-US" sz="1200" noProof="0" dirty="0" smtClean="0">
+                          <a:solidFill>
+                            <a:schemeClr val="tx1"/>
+                          </a:solidFill>
+                        </a:rPr>
+                        <a:t>Science</a:t>
+                      </a:r>
+                      <a:r>
+                        <a:rPr lang="en-US" sz="1200" baseline="0" noProof="0" dirty="0" smtClean="0">
+                          <a:solidFill>
+                            <a:schemeClr val="tx1"/>
+                          </a:solidFill>
+                        </a:rPr>
+                        <a:t> Direct</a:t>
+                      </a:r>
+                      <a:endParaRPr lang="en-US" sz="1200" noProof="0" dirty="0">
+                        <a:solidFill>
+                          <a:schemeClr val="tx1"/>
+                        </a:solidFill>
+                      </a:endParaRPr>
+                    </a:p>
+                  </a:txBody>
+                  <a:tcPr marL="57553" marR="57553" marT="28777" marB="28777" anchor="ctr"/>
+                </a:tc>
+                <a:tc>
+                  <a:txBody>
+                    <a:bodyPr/>
+                    <a:lstStyle/>
+                    <a:p>
+                      <a:pPr algn="ctr"/>
+                      <a:r>
+                        <a:rPr lang="en-US" sz="1200" noProof="0" dirty="0" smtClean="0">
+                          <a:solidFill>
+                            <a:schemeClr val="tx1"/>
+                          </a:solidFill>
+                        </a:rPr>
+                        <a:t>106</a:t>
+                      </a:r>
+                      <a:endParaRPr lang="en-US" sz="1200" noProof="0" dirty="0">
+                        <a:solidFill>
+                          <a:schemeClr val="tx1"/>
+                        </a:solidFill>
+                      </a:endParaRPr>
+                    </a:p>
+                  </a:txBody>
+                  <a:tcPr marL="57553" marR="57553" marT="28777" marB="28777" anchor="ctr"/>
+                </a:tc>
+                <a:tc>
+                  <a:txBody>
+                    <a:bodyPr/>
+                    <a:lstStyle/>
+                    <a:p>
+                      <a:pPr algn="ctr"/>
+                      <a:r>
+                        <a:rPr lang="en-US" sz="1200" noProof="0" dirty="0" smtClean="0">
+                          <a:solidFill>
+                            <a:schemeClr val="tx1"/>
+                          </a:solidFill>
+                        </a:rPr>
+                        <a:t>6</a:t>
+                      </a:r>
+                      <a:endParaRPr lang="en-US" sz="1200" noProof="0" dirty="0">
+                        <a:solidFill>
+                          <a:schemeClr val="tx1"/>
+                        </a:solidFill>
+                      </a:endParaRPr>
+                    </a:p>
+                  </a:txBody>
+                  <a:tcPr marL="57553" marR="57553" marT="28777" marB="28777" anchor="ctr"/>
+                </a:tc>
+                <a:tc>
+                  <a:txBody>
+                    <a:bodyPr/>
+                    <a:lstStyle/>
+                    <a:p>
+                      <a:pPr algn="ctr"/>
+                      <a:r>
+                        <a:rPr lang="en-US" sz="1200" noProof="0" dirty="0" smtClean="0">
+                          <a:solidFill>
+                            <a:schemeClr val="tx1"/>
+                          </a:solidFill>
+                        </a:rPr>
+                        <a:t>100</a:t>
+                      </a:r>
+                      <a:endParaRPr lang="en-US" sz="1200" noProof="0" dirty="0">
+                        <a:solidFill>
+                          <a:schemeClr val="tx1"/>
+                        </a:solidFill>
+                      </a:endParaRPr>
+                    </a:p>
+                  </a:txBody>
+                  <a:tcPr marL="57553" marR="57553" marT="28777" marB="28777" anchor="ctr"/>
+                </a:tc>
+                <a:extLst>
+                  <a:ext uri="{0D108BD9-81ED-4DB2-BD59-A6C34878D82A}">
+                    <a16:rowId xmlns:a16="http://schemas.microsoft.com/office/drawing/2014/main" xmlns="" xmlns:mv="urn:schemas-microsoft-com:mac:vml" xmlns:mc="http://schemas.openxmlformats.org/markup-compatibility/2006" val="10003"/>
+                  </a:ext>
+                </a:extLst>
+              </a:tr>
+              <a:tr h="295508">
+                <a:tc>
+                  <a:txBody>
+                    <a:bodyPr/>
+                    <a:lstStyle/>
+                    <a:p>
+                      <a:pPr algn="ctr"/>
+                      <a:r>
+                        <a:rPr lang="en-US" sz="1200" noProof="0" dirty="0" smtClean="0">
+                          <a:solidFill>
+                            <a:schemeClr val="tx1"/>
+                          </a:solidFill>
+                        </a:rPr>
+                        <a:t>CiteSeerX</a:t>
+                      </a:r>
+                      <a:endParaRPr lang="en-US" sz="1200" noProof="0" dirty="0">
+                        <a:solidFill>
+                          <a:schemeClr val="tx1"/>
+                        </a:solidFill>
+                      </a:endParaRPr>
+                    </a:p>
+                  </a:txBody>
+                  <a:tcPr marL="57553" marR="57553" marT="28777" marB="28777" anchor="ctr"/>
+                </a:tc>
+                <a:tc>
+                  <a:txBody>
+                    <a:bodyPr/>
+                    <a:lstStyle/>
+                    <a:p>
+                      <a:pPr algn="ctr"/>
+                      <a:r>
+                        <a:rPr lang="en-US" sz="1200" noProof="0" dirty="0" smtClean="0">
+                          <a:solidFill>
+                            <a:schemeClr val="tx1"/>
+                          </a:solidFill>
+                        </a:rPr>
+                        <a:t>419</a:t>
+                      </a:r>
+                      <a:endParaRPr lang="en-US" sz="1200" noProof="0" dirty="0">
+                        <a:solidFill>
+                          <a:schemeClr val="tx1"/>
+                        </a:solidFill>
+                      </a:endParaRPr>
+                    </a:p>
+                  </a:txBody>
+                  <a:tcPr marL="57553" marR="57553" marT="28777" marB="28777" anchor="ctr"/>
+                </a:tc>
+                <a:tc>
+                  <a:txBody>
+                    <a:bodyPr/>
+                    <a:lstStyle/>
+                    <a:p>
+                      <a:pPr algn="ctr"/>
+                      <a:r>
+                        <a:rPr lang="en-US" sz="1200" noProof="0" dirty="0" smtClean="0">
+                          <a:solidFill>
+                            <a:schemeClr val="tx1"/>
+                          </a:solidFill>
+                        </a:rPr>
+                        <a:t>21</a:t>
+                      </a:r>
+                      <a:endParaRPr lang="en-US" sz="1200" noProof="0" dirty="0">
+                        <a:solidFill>
+                          <a:schemeClr val="tx1"/>
+                        </a:solidFill>
+                      </a:endParaRPr>
+                    </a:p>
+                  </a:txBody>
+                  <a:tcPr marL="57553" marR="57553" marT="28777" marB="28777" anchor="ctr"/>
+                </a:tc>
+                <a:tc>
+                  <a:txBody>
+                    <a:bodyPr/>
+                    <a:lstStyle/>
+                    <a:p>
+                      <a:pPr algn="ctr"/>
+                      <a:r>
+                        <a:rPr lang="en-US" sz="1200" noProof="0" dirty="0" smtClean="0">
+                          <a:solidFill>
+                            <a:schemeClr val="tx1"/>
+                          </a:solidFill>
+                        </a:rPr>
+                        <a:t>398</a:t>
+                      </a:r>
+                      <a:endParaRPr lang="en-US" sz="1200" noProof="0" dirty="0">
+                        <a:solidFill>
+                          <a:schemeClr val="tx1"/>
+                        </a:solidFill>
+                      </a:endParaRPr>
+                    </a:p>
+                  </a:txBody>
+                  <a:tcPr marL="57553" marR="57553" marT="28777" marB="28777" anchor="ctr"/>
+                </a:tc>
+                <a:extLst>
+                  <a:ext uri="{0D108BD9-81ED-4DB2-BD59-A6C34878D82A}">
+                    <a16:rowId xmlns:a16="http://schemas.microsoft.com/office/drawing/2014/main" xmlns="" xmlns:mv="urn:schemas-microsoft-com:mac:vml" xmlns:mc="http://schemas.openxmlformats.org/markup-compatibility/2006" val="10004"/>
+                  </a:ext>
+                </a:extLst>
+              </a:tr>
+              <a:tr h="295508">
+                <a:tc>
+                  <a:txBody>
+                    <a:bodyPr/>
+                    <a:lstStyle/>
+                    <a:p>
+                      <a:pPr algn="ctr"/>
+                      <a:r>
+                        <a:rPr lang="en-US" sz="1200" noProof="0" dirty="0" smtClean="0">
+                          <a:solidFill>
+                            <a:schemeClr val="tx1"/>
+                          </a:solidFill>
+                        </a:rPr>
+                        <a:t>Total </a:t>
+                      </a:r>
+                      <a:endParaRPr lang="en-US" sz="1200" noProof="0" dirty="0">
+                        <a:solidFill>
+                          <a:schemeClr val="tx1"/>
+                        </a:solidFill>
+                      </a:endParaRPr>
+                    </a:p>
+                  </a:txBody>
+                  <a:tcPr marL="57553" marR="57553" marT="28777" marB="28777" anchor="ctr"/>
+                </a:tc>
+                <a:tc>
+                  <a:txBody>
+                    <a:bodyPr/>
+                    <a:lstStyle/>
+                    <a:p>
+                      <a:pPr algn="ctr"/>
+                      <a:r>
+                        <a:rPr lang="en-US" sz="1200" noProof="0" dirty="0" smtClean="0">
+                          <a:solidFill>
+                            <a:schemeClr val="tx1"/>
+                          </a:solidFill>
+                        </a:rPr>
+                        <a:t>1832</a:t>
+                      </a:r>
+                      <a:endParaRPr lang="en-US" sz="1200" noProof="0" dirty="0">
+                        <a:solidFill>
+                          <a:schemeClr val="tx1"/>
+                        </a:solidFill>
+                      </a:endParaRPr>
+                    </a:p>
+                  </a:txBody>
+                  <a:tcPr marL="57553" marR="57553" marT="28777" marB="28777" anchor="ctr"/>
+                </a:tc>
+                <a:tc>
+                  <a:txBody>
+                    <a:bodyPr/>
+                    <a:lstStyle/>
+                    <a:p>
+                      <a:pPr algn="ctr"/>
+                      <a:r>
+                        <a:rPr lang="en-US" sz="1200" b="1" u="sng" noProof="0" dirty="0" smtClean="0">
+                          <a:solidFill>
+                            <a:schemeClr val="tx1"/>
+                          </a:solidFill>
+                        </a:rPr>
+                        <a:t>114</a:t>
+                      </a:r>
+                      <a:endParaRPr lang="en-US" sz="1200" b="1" u="sng" noProof="0" dirty="0">
+                        <a:solidFill>
+                          <a:schemeClr val="tx1"/>
+                        </a:solidFill>
+                      </a:endParaRPr>
+                    </a:p>
+                  </a:txBody>
+                  <a:tcPr marL="57553" marR="57553" marT="28777" marB="28777" anchor="ctr">
+                    <a:solidFill>
+                      <a:srgbClr val="FF6600"/>
+                    </a:solidFill>
+                  </a:tcPr>
+                </a:tc>
+                <a:tc>
+                  <a:txBody>
+                    <a:bodyPr/>
+                    <a:lstStyle/>
+                    <a:p>
+                      <a:pPr algn="ctr"/>
+                      <a:r>
+                        <a:rPr lang="en-US" sz="1200" noProof="0" dirty="0" smtClean="0">
+                          <a:solidFill>
+                            <a:schemeClr val="tx1"/>
+                          </a:solidFill>
+                        </a:rPr>
+                        <a:t>1718</a:t>
+                      </a:r>
+                      <a:endParaRPr lang="en-US" sz="1200" noProof="0" dirty="0">
+                        <a:solidFill>
+                          <a:schemeClr val="tx1"/>
+                        </a:solidFill>
+                      </a:endParaRPr>
+                    </a:p>
+                  </a:txBody>
+                  <a:tcPr marL="57553" marR="57553" marT="28777" marB="28777" anchor="ctr"/>
+                </a:tc>
+                <a:extLst>
+                  <a:ext uri="{0D108BD9-81ED-4DB2-BD59-A6C34878D82A}">
+                    <a16:rowId xmlns:a16="http://schemas.microsoft.com/office/drawing/2014/main" xmlns="" xmlns:mv="urn:schemas-microsoft-com:mac:vml" xmlns:mc="http://schemas.openxmlformats.org/markup-compatibility/2006" val="10005"/>
+                  </a:ext>
+                </a:extLst>
+              </a:tr>
+            </a:tbl>
+          </a:graphicData>
+        </a:graphic>
+      </p:graphicFrame>
+    </p:spTree>
+    <p:extLst>
+      <p:ext uri="{BB962C8B-B14F-4D97-AF65-F5344CB8AC3E}">
+        <p14:creationId xmlns:p14="http://schemas.microsoft.com/office/powerpoint/2010/main" val="1994810129"/>
+      </p:ext>
+    </p:extLst>
+  </p:cSld>
+  <p:clrMapOvr>
+    <a:masterClrMapping/>
+  </p:clrMapOvr>
+  <p:timing>
+    <p:tnLst>
+      <p:par>
+        <p:cTn id="1" dur="indefinite" restart="never" nodeType="tmRoot"/>
+      </p:par>
+    </p:tnLst>
+  </p:timing>
+</p:sld>
+</file>
+
+<file path=ppt/slides/slide6.xml><?xml version="1.0" encoding="utf-8"?>
+<p:sld xmlns:a="http://schemas.openxmlformats.org/drawingml/2006/main" xmlns:r="http://schemas.openxmlformats.org/officeDocument/2006/relationships" xmlns:p="http://schemas.openxmlformats.org/presentationml/2006/main">
+  <p:cSld>
+    <p:spTree>
+      <p:nvGrpSpPr>
+        <p:cNvPr id="1" name=""/>
+        <p:cNvGrpSpPr/>
+        <p:nvPr/>
+      </p:nvGrpSpPr>
+      <p:grpSpPr>
+        <a:xfrm>
+          <a:off x="0" y="0"/>
+          <a:ext cx="0" cy="0"/>
+          <a:chOff x="0" y="0"/>
+          <a:chExt cx="0" cy="0"/>
+        </a:xfrm>
+      </p:grpSpPr>
+      <p:sp>
+        <p:nvSpPr>
+          <p:cNvPr id="2" name="Título 1"/>
+          <p:cNvSpPr>
+            <a:spLocks noGrp="1"/>
+          </p:cNvSpPr>
+          <p:nvPr>
+            <p:ph type="title"/>
+          </p:nvPr>
+        </p:nvSpPr>
+        <p:spPr/>
+        <p:txBody>
+          <a:bodyPr/>
+          <a:lstStyle/>
+          <a:p>
+            <a:r>
+              <a:rPr lang="fr-FR" dirty="0" smtClean="0"/>
+              <a:t>contributions</a:t>
+            </a:r>
+            <a:endParaRPr lang="fr-FR" dirty="0"/>
+          </a:p>
+        </p:txBody>
+      </p:sp>
+      <p:sp>
+        <p:nvSpPr>
+          <p:cNvPr id="3" name="Espaço Reservado para Conteúdo 2"/>
+          <p:cNvSpPr>
+            <a:spLocks noGrp="1"/>
+          </p:cNvSpPr>
+          <p:nvPr>
+            <p:ph idx="1"/>
+          </p:nvPr>
+        </p:nvSpPr>
+        <p:spPr/>
+        <p:txBody>
+          <a:bodyPr/>
+          <a:lstStyle/>
+          <a:p>
+            <a:r>
+              <a:rPr lang="fr-FR" dirty="0" smtClean="0"/>
+              <a:t>Design and implementation of </a:t>
+            </a:r>
+            <a:r>
+              <a:rPr lang="fr-FR" dirty="0" smtClean="0">
+                <a:solidFill>
+                  <a:srgbClr val="FF0066"/>
+                </a:solidFill>
+              </a:rPr>
+              <a:t>the Rhone query rewriting algorithm </a:t>
+            </a:r>
+            <a:r>
+              <a:rPr lang="fr-FR" dirty="0" smtClean="0"/>
+              <a:t>for data integration which takes into consideration user integration preferences and services’ quality aspects expressed in SLAs.</a:t>
+            </a:r>
+            <a:endParaRPr lang="fr-FR" dirty="0"/>
+          </a:p>
+        </p:txBody>
+      </p:sp>
+      <p:pic>
+        <p:nvPicPr>
+          <p:cNvPr id="6" name="Imagem 11"/>
+          <p:cNvPicPr>
+            <a:picLocks noChangeAspect="1"/>
+          </p:cNvPicPr>
+          <p:nvPr/>
+        </p:nvPicPr>
+        <p:blipFill>
+          <a:blip r:embed="rId2"/>
+          <a:stretch>
+            <a:fillRect/>
+          </a:stretch>
+        </p:blipFill>
+        <p:spPr>
+          <a:xfrm>
+            <a:off x="1270861" y="3113878"/>
+            <a:ext cx="4425966" cy="2336454"/>
+          </a:xfrm>
+          <a:prstGeom prst="rect">
+            <a:avLst/>
+          </a:prstGeom>
+        </p:spPr>
+      </p:pic>
+      <p:pic>
+        <p:nvPicPr>
+          <p:cNvPr id="7" name="Imagem 2"/>
+          <p:cNvPicPr>
+            <a:picLocks noChangeAspect="1"/>
+          </p:cNvPicPr>
+          <p:nvPr/>
+        </p:nvPicPr>
+        <p:blipFill>
+          <a:blip r:embed="rId3"/>
+          <a:stretch>
+            <a:fillRect/>
+          </a:stretch>
+        </p:blipFill>
+        <p:spPr>
+          <a:xfrm>
+            <a:off x="6353871" y="3113878"/>
+            <a:ext cx="4117332" cy="2210404"/>
+          </a:xfrm>
+          <a:prstGeom prst="rect">
+            <a:avLst/>
+          </a:prstGeom>
+        </p:spPr>
+      </p:pic>
+      <p:sp>
+        <p:nvSpPr>
+          <p:cNvPr id="8" name="CaixaDeTexto 7"/>
+          <p:cNvSpPr txBox="1"/>
+          <p:nvPr/>
+        </p:nvSpPr>
+        <p:spPr>
+          <a:xfrm>
+            <a:off x="194275" y="6108700"/>
+            <a:ext cx="11093485" cy="646331"/>
+          </a:xfrm>
+          <a:prstGeom prst="rect">
+            <a:avLst/>
+          </a:prstGeom>
+          <a:noFill/>
+        </p:spPr>
+        <p:txBody>
+          <a:bodyPr wrap="square" rtlCol="0">
+            <a:spAutoFit/>
+          </a:bodyPr>
+          <a:lstStyle/>
+          <a:p>
+            <a:pPr algn="just"/>
+            <a:r>
+              <a:rPr lang="en-US" sz="1200" dirty="0"/>
+              <a:t>D. A. S. Carvalho, P. A. S. Neto, C. Ghedira, G. Vargas-Solar, N. Bennani. </a:t>
+            </a:r>
+            <a:r>
+              <a:rPr lang="en-US" sz="1200" b="1" dirty="0"/>
+              <a:t>Rhone: a quality-based query rewriting algorithm for data </a:t>
+            </a:r>
+            <a:r>
+              <a:rPr lang="en-US" sz="1200" b="1" dirty="0" smtClean="0"/>
+              <a:t>integration</a:t>
+            </a:r>
+            <a:r>
+              <a:rPr lang="en-US" sz="1200" dirty="0" smtClean="0"/>
+              <a:t>. East-European </a:t>
+            </a:r>
+            <a:r>
+              <a:rPr lang="en-US" sz="1200" dirty="0"/>
+              <a:t>Conference on Advances in Databases and Information Systems, Aug 2016, Prague, France. ADBIS East-European Conference on Advances in Databases and Information Systems, 2016</a:t>
+            </a:r>
+            <a:r>
+              <a:rPr lang="en-US" sz="1200" dirty="0" smtClean="0"/>
+              <a:t>.</a:t>
+            </a:r>
+            <a:endParaRPr lang="en-US" sz="1200" dirty="0"/>
           </a:p>
         </p:txBody>
       </p:sp>
     </p:spTree>
     <p:extLst>
       <p:ext uri="{BB962C8B-B14F-4D97-AF65-F5344CB8AC3E}">
-        <p14:creationId xmlns:p14="http://schemas.microsoft.com/office/powerpoint/2010/main" val="2756181556"/>
+        <p14:creationId xmlns:p14="http://schemas.microsoft.com/office/powerpoint/2010/main" val="2284956633"/>
+      </p:ext>
+    </p:extLst>
+  </p:cSld>
+  <p:clrMapOvr>
+    <a:masterClrMapping/>
+  </p:clrMapOvr>
+  <p:timing>
+    <p:tnLst>
+      <p:par>
+        <p:cTn id="1" dur="indefinite" restart="never" nodeType="tmRoot"/>
+      </p:par>
+    </p:tnLst>
+  </p:timing>
+</p:sld>
+</file>
+
+<file path=ppt/slides/slide7.xml><?xml version="1.0" encoding="utf-8"?>
+<p:sld xmlns:a="http://schemas.openxmlformats.org/drawingml/2006/main" xmlns:r="http://schemas.openxmlformats.org/officeDocument/2006/relationships" xmlns:p="http://schemas.openxmlformats.org/presentationml/2006/main">
+  <p:cSld>
+    <p:spTree>
+      <p:nvGrpSpPr>
+        <p:cNvPr id="1" name=""/>
+        <p:cNvGrpSpPr/>
+        <p:nvPr/>
+      </p:nvGrpSpPr>
+      <p:grpSpPr>
+        <a:xfrm>
+          <a:off x="0" y="0"/>
+          <a:ext cx="0" cy="0"/>
+          <a:chOff x="0" y="0"/>
+          <a:chExt cx="0" cy="0"/>
+        </a:xfrm>
+      </p:grpSpPr>
+      <p:sp>
+        <p:nvSpPr>
+          <p:cNvPr id="2" name="Título 1"/>
+          <p:cNvSpPr>
+            <a:spLocks noGrp="1"/>
+          </p:cNvSpPr>
+          <p:nvPr>
+            <p:ph type="title"/>
+          </p:nvPr>
+        </p:nvSpPr>
+        <p:spPr/>
+        <p:txBody>
+          <a:bodyPr/>
+          <a:lstStyle/>
+          <a:p>
+            <a:r>
+              <a:rPr lang="fr-FR" dirty="0" smtClean="0"/>
+              <a:t>contribution</a:t>
+            </a:r>
+            <a:endParaRPr lang="fr-FR" dirty="0"/>
+          </a:p>
+        </p:txBody>
+      </p:sp>
+      <p:sp>
+        <p:nvSpPr>
+          <p:cNvPr id="3" name="Espaço Reservado para Conteúdo 2"/>
+          <p:cNvSpPr>
+            <a:spLocks noGrp="1"/>
+          </p:cNvSpPr>
+          <p:nvPr>
+            <p:ph idx="1"/>
+          </p:nvPr>
+        </p:nvSpPr>
+        <p:spPr/>
+        <p:txBody>
+          <a:bodyPr/>
+          <a:lstStyle/>
+          <a:p>
+            <a:r>
+              <a:rPr lang="fr-FR" dirty="0" smtClean="0"/>
+              <a:t>Design of a </a:t>
+            </a:r>
+            <a:r>
+              <a:rPr lang="fr-FR" dirty="0" smtClean="0">
+                <a:solidFill>
+                  <a:srgbClr val="FF0066"/>
+                </a:solidFill>
+              </a:rPr>
+              <a:t>metamodel, a metaprocess and process for data integration</a:t>
+            </a:r>
+            <a:r>
+              <a:rPr lang="fr-FR" dirty="0" smtClean="0"/>
+              <a:t> adapted to the multi-cloud context.</a:t>
+            </a:r>
+            <a:endParaRPr lang="fr-FR" dirty="0"/>
+          </a:p>
+        </p:txBody>
+      </p:sp>
+      <p:sp>
+        <p:nvSpPr>
+          <p:cNvPr id="4" name="CaixaDeTexto 3"/>
+          <p:cNvSpPr txBox="1"/>
+          <p:nvPr/>
+        </p:nvSpPr>
+        <p:spPr>
+          <a:xfrm>
+            <a:off x="194275" y="6108700"/>
+            <a:ext cx="11093485" cy="461665"/>
+          </a:xfrm>
+          <a:prstGeom prst="rect">
+            <a:avLst/>
+          </a:prstGeom>
+          <a:noFill/>
+        </p:spPr>
+        <p:txBody>
+          <a:bodyPr wrap="square" rtlCol="0">
+            <a:spAutoFit/>
+          </a:bodyPr>
+          <a:lstStyle/>
+          <a:p>
+            <a:pPr algn="just"/>
+            <a:r>
+              <a:rPr lang="en-US" sz="1200" dirty="0"/>
+              <a:t>D. A. S. Carvalho, P. A. S. Neto, C. Ghedira, G. Vargas-Solar, N. Bennani</a:t>
+            </a:r>
+            <a:r>
+              <a:rPr lang="en-US" sz="1200" b="1" dirty="0"/>
+              <a:t>. Towards Quality Guided Data Integration on Multi-Cloud Settings</a:t>
+            </a:r>
+            <a:r>
+              <a:rPr lang="en-US" sz="1200" dirty="0"/>
+              <a:t>. 14th international conference on service oriented computing (ICSOC), Oct 2016, Banff, Alberta, Canada.</a:t>
+            </a:r>
+            <a:endParaRPr lang="en-US" sz="1200" dirty="0"/>
+          </a:p>
+        </p:txBody>
+      </p:sp>
+      <p:pic>
+        <p:nvPicPr>
+          <p:cNvPr id="5" name="Imagem 4"/>
+          <p:cNvPicPr>
+            <a:picLocks noChangeAspect="1"/>
+          </p:cNvPicPr>
+          <p:nvPr/>
+        </p:nvPicPr>
+        <p:blipFill>
+          <a:blip r:embed="rId2">
+            <a:extLst>
+              <a:ext uri="{28A0092B-C50C-407E-A947-70E740481C1C}">
+                <a14:useLocalDpi xmlns:a14="http://schemas.microsoft.com/office/drawing/2010/main" val="0"/>
+              </a:ext>
+            </a:extLst>
+          </a:blip>
+          <a:stretch>
+            <a:fillRect/>
+          </a:stretch>
+        </p:blipFill>
+        <p:spPr>
+          <a:xfrm>
+            <a:off x="194275" y="3727251"/>
+            <a:ext cx="6019800" cy="748174"/>
+          </a:xfrm>
+          <a:prstGeom prst="rect">
+            <a:avLst/>
+          </a:prstGeom>
+        </p:spPr>
+      </p:pic>
+      <p:pic>
+        <p:nvPicPr>
+          <p:cNvPr id="6" name="Imagem 3"/>
+          <p:cNvPicPr>
+            <a:picLocks noChangeAspect="1"/>
+          </p:cNvPicPr>
+          <p:nvPr/>
+        </p:nvPicPr>
+        <p:blipFill>
+          <a:blip r:embed="rId3">
+            <a:extLst>
+              <a:ext uri="{28A0092B-C50C-407E-A947-70E740481C1C}">
+                <a14:useLocalDpi xmlns:a14="http://schemas.microsoft.com/office/drawing/2010/main" val="0"/>
+              </a:ext>
+            </a:extLst>
+          </a:blip>
+          <a:srcRect/>
+          <a:stretch>
+            <a:fillRect/>
+          </a:stretch>
+        </p:blipFill>
+        <p:spPr bwMode="auto">
+          <a:xfrm>
+            <a:off x="7190558" y="2567010"/>
+            <a:ext cx="4097202" cy="3490890"/>
+          </a:xfrm>
+          <a:prstGeom prst="rect">
+            <a:avLst/>
+          </a:prstGeom>
+          <a:noFill/>
+          <a:ln>
+            <a:noFill/>
+          </a:ln>
+          <a:extLst>
+            <a:ext uri="{909E8E84-426E-40DD-AFC4-6F175D3DCCD1}">
+              <a14:hiddenFill xmlns:a14="http://schemas.microsoft.com/office/drawing/2010/main">
+                <a:solidFill>
+                  <a:srgbClr val="FFFFFF"/>
+                </a:solidFill>
+              </a14:hiddenFill>
+            </a:ext>
+            <a:ext uri="{91240B29-F687-4F45-9708-019B960494DF}">
+              <a14:hiddenLine xmlns:a14="http://schemas.microsoft.com/office/drawing/2010/main" w="9525">
+                <a:solidFill>
+                  <a:srgbClr val="000000"/>
+                </a:solidFill>
+                <a:miter lim="800000"/>
+                <a:headEnd/>
+                <a:tailEnd/>
+              </a14:hiddenLine>
+            </a:ext>
+          </a:extLst>
+        </p:spPr>
+      </p:pic>
+    </p:spTree>
+    <p:extLst>
+      <p:ext uri="{BB962C8B-B14F-4D97-AF65-F5344CB8AC3E}">
+        <p14:creationId xmlns:p14="http://schemas.microsoft.com/office/powerpoint/2010/main" val="154470996"/>
+      </p:ext>
+    </p:extLst>
+  </p:cSld>
+  <p:clrMapOvr>
+    <a:masterClrMapping/>
+  </p:clrMapOvr>
+  <p:timing>
+    <p:tnLst>
+      <p:par>
+        <p:cTn id="1" dur="indefinite" restart="never" nodeType="tmRoot"/>
+      </p:par>
+    </p:tnLst>
+  </p:timing>
+</p:sld>
+</file>
+
+<file path=ppt/slides/slide8.xml><?xml version="1.0" encoding="utf-8"?>
+<p:sld xmlns:a="http://schemas.openxmlformats.org/drawingml/2006/main" xmlns:r="http://schemas.openxmlformats.org/officeDocument/2006/relationships" xmlns:p="http://schemas.openxmlformats.org/presentationml/2006/main">
+  <p:cSld>
+    <p:spTree>
+      <p:nvGrpSpPr>
+        <p:cNvPr id="1" name=""/>
+        <p:cNvGrpSpPr/>
+        <p:nvPr/>
+      </p:nvGrpSpPr>
+      <p:grpSpPr>
+        <a:xfrm>
+          <a:off x="0" y="0"/>
+          <a:ext cx="0" cy="0"/>
+          <a:chOff x="0" y="0"/>
+          <a:chExt cx="0" cy="0"/>
+        </a:xfrm>
+      </p:grpSpPr>
+      <p:sp>
+        <p:nvSpPr>
+          <p:cNvPr id="2" name="Título 1"/>
+          <p:cNvSpPr>
+            <a:spLocks noGrp="1"/>
+          </p:cNvSpPr>
+          <p:nvPr>
+            <p:ph type="title"/>
+          </p:nvPr>
+        </p:nvSpPr>
+        <p:spPr/>
+        <p:txBody>
+          <a:bodyPr/>
+          <a:lstStyle/>
+          <a:p>
+            <a:r>
+              <a:rPr lang="fr-FR" dirty="0" smtClean="0"/>
+              <a:t>contribution</a:t>
+            </a:r>
+            <a:endParaRPr lang="fr-FR" dirty="0"/>
+          </a:p>
+        </p:txBody>
+      </p:sp>
+      <p:sp>
+        <p:nvSpPr>
+          <p:cNvPr id="3" name="Espaço Reservado para Conteúdo 2"/>
+          <p:cNvSpPr>
+            <a:spLocks noGrp="1"/>
+          </p:cNvSpPr>
+          <p:nvPr>
+            <p:ph idx="1"/>
+          </p:nvPr>
+        </p:nvSpPr>
+        <p:spPr/>
+        <p:txBody>
+          <a:bodyPr/>
+          <a:lstStyle/>
+          <a:p>
+            <a:r>
+              <a:rPr lang="fr-FR" dirty="0" smtClean="0"/>
+              <a:t>Proposal of the </a:t>
+            </a:r>
+            <a:r>
+              <a:rPr lang="fr-FR" dirty="0" smtClean="0">
+                <a:solidFill>
+                  <a:srgbClr val="FF0066"/>
+                </a:solidFill>
+              </a:rPr>
+              <a:t>schemes for cloud SLA, service SLA and integration SLA</a:t>
+            </a:r>
+            <a:r>
+              <a:rPr lang="fr-FR" dirty="0" smtClean="0"/>
+              <a:t>.</a:t>
+            </a:r>
+          </a:p>
+          <a:p>
+            <a:endParaRPr lang="fr-FR" dirty="0" smtClean="0"/>
+          </a:p>
+          <a:p>
+            <a:pPr marL="0" indent="0">
+              <a:buNone/>
+            </a:pPr>
+            <a:endParaRPr lang="fr-FR" dirty="0" smtClean="0"/>
+          </a:p>
+          <a:p>
+            <a:pPr marL="0" indent="0">
+              <a:buNone/>
+            </a:pPr>
+            <a:r>
+              <a:rPr lang="fr-FR" dirty="0" smtClean="0"/>
+              <a:t>Ongoing work:</a:t>
+            </a:r>
+          </a:p>
+          <a:p>
+            <a:r>
+              <a:rPr lang="fr-FR" dirty="0" smtClean="0"/>
+              <a:t>Definition and formalization of the incomming </a:t>
+            </a:r>
+            <a:r>
+              <a:rPr lang="fr-FR" dirty="0" smtClean="0">
+                <a:solidFill>
+                  <a:srgbClr val="FF0066"/>
+                </a:solidFill>
+              </a:rPr>
+              <a:t>queries variations </a:t>
+            </a:r>
+            <a:r>
+              <a:rPr lang="fr-FR" dirty="0" smtClean="0"/>
+              <a:t>and their integration </a:t>
+            </a:r>
+            <a:r>
+              <a:rPr lang="fr-FR" dirty="0" smtClean="0">
+                <a:solidFill>
+                  <a:srgbClr val="FF0066"/>
+                </a:solidFill>
+              </a:rPr>
+              <a:t>reusability solution</a:t>
+            </a:r>
+            <a:r>
+              <a:rPr lang="fr-FR" dirty="0" smtClean="0"/>
+              <a:t>.</a:t>
+            </a:r>
+          </a:p>
+          <a:p>
+            <a:endParaRPr lang="fr-FR" dirty="0"/>
+          </a:p>
+          <a:p>
+            <a:r>
+              <a:rPr lang="fr-FR" dirty="0" smtClean="0">
+                <a:solidFill>
+                  <a:srgbClr val="FF0066"/>
+                </a:solidFill>
+              </a:rPr>
+              <a:t>Heuristics for optmizing the rewriting approach </a:t>
+            </a:r>
+            <a:r>
+              <a:rPr lang="fr-FR" dirty="0" smtClean="0"/>
+              <a:t>adapted to the multi-cloud context.</a:t>
+            </a:r>
+            <a:endParaRPr lang="fr-FR" dirty="0"/>
+          </a:p>
+        </p:txBody>
+      </p:sp>
+    </p:spTree>
+    <p:extLst>
+      <p:ext uri="{BB962C8B-B14F-4D97-AF65-F5344CB8AC3E}">
+        <p14:creationId xmlns:p14="http://schemas.microsoft.com/office/powerpoint/2010/main" val="841104758"/>
+      </p:ext>
+    </p:extLst>
+  </p:cSld>
+  <p:clrMapOvr>
+    <a:masterClrMapping/>
+  </p:clrMapOvr>
+  <p:timing>
+    <p:tnLst>
+      <p:par>
+        <p:cTn id="1" dur="indefinite" restart="never" nodeType="tmRoot"/>
+      </p:par>
+    </p:tnLst>
+  </p:timing>
+</p:sld>
+</file>
+
+<file path=ppt/slides/slide9.xml><?xml version="1.0" encoding="utf-8"?>
+<p:sld xmlns:a="http://schemas.openxmlformats.org/drawingml/2006/main" xmlns:r="http://schemas.openxmlformats.org/officeDocument/2006/relationships" xmlns:p="http://schemas.openxmlformats.org/presentationml/2006/main">
+  <p:cSld>
+    <p:spTree>
+      <p:nvGrpSpPr>
+        <p:cNvPr id="1" name=""/>
+        <p:cNvGrpSpPr/>
+        <p:nvPr/>
+      </p:nvGrpSpPr>
+      <p:grpSpPr>
+        <a:xfrm>
+          <a:off x="0" y="0"/>
+          <a:ext cx="0" cy="0"/>
+          <a:chOff x="0" y="0"/>
+          <a:chExt cx="0" cy="0"/>
+        </a:xfrm>
+      </p:grpSpPr>
+      <p:sp>
+        <p:nvSpPr>
+          <p:cNvPr id="2" name="Título 1"/>
+          <p:cNvSpPr>
+            <a:spLocks noGrp="1"/>
+          </p:cNvSpPr>
+          <p:nvPr>
+            <p:ph type="title"/>
+          </p:nvPr>
+        </p:nvSpPr>
+        <p:spPr/>
+        <p:txBody>
+          <a:bodyPr/>
+          <a:lstStyle/>
+          <a:p>
+            <a:r>
+              <a:rPr lang="fr-FR" dirty="0" smtClean="0"/>
+              <a:t>Future work</a:t>
+            </a:r>
+            <a:endParaRPr lang="fr-FR" dirty="0"/>
+          </a:p>
+        </p:txBody>
+      </p:sp>
+      <p:sp>
+        <p:nvSpPr>
+          <p:cNvPr id="3" name="Espaço Reservado para Conteúdo 2"/>
+          <p:cNvSpPr>
+            <a:spLocks noGrp="1"/>
+          </p:cNvSpPr>
+          <p:nvPr>
+            <p:ph idx="1"/>
+          </p:nvPr>
+        </p:nvSpPr>
+        <p:spPr/>
+        <p:txBody>
+          <a:bodyPr/>
+          <a:lstStyle/>
+          <a:p>
+            <a:r>
+              <a:rPr lang="en-US" dirty="0" smtClean="0"/>
+              <a:t>Refinement of the SLA schemas</a:t>
+            </a:r>
+          </a:p>
+          <a:p>
+            <a:endParaRPr lang="en-US" dirty="0" smtClean="0"/>
+          </a:p>
+          <a:p>
+            <a:r>
+              <a:rPr lang="en-US" dirty="0" smtClean="0"/>
+              <a:t>Apply and evaluate the heuristics to the rewriting approach</a:t>
+            </a:r>
+          </a:p>
+          <a:p>
+            <a:endParaRPr lang="en-US" dirty="0" smtClean="0"/>
+          </a:p>
+          <a:p>
+            <a:r>
+              <a:rPr lang="en-US" dirty="0" smtClean="0"/>
+              <a:t>Design of a architecture which allows data providers to manipulate and configure the necessary resources to their services </a:t>
+            </a:r>
+          </a:p>
+          <a:p>
+            <a:endParaRPr lang="en-US" dirty="0" smtClean="0"/>
+          </a:p>
+          <a:p>
+            <a:r>
+              <a:rPr lang="en-US" dirty="0" smtClean="0"/>
+              <a:t>Evaluation of the overall data integration approach adapted to the multi-cloud context </a:t>
+            </a:r>
+          </a:p>
+          <a:p>
+            <a:endParaRPr lang="en-US" dirty="0"/>
+          </a:p>
+        </p:txBody>
+      </p:sp>
+    </p:spTree>
+    <p:extLst>
+      <p:ext uri="{BB962C8B-B14F-4D97-AF65-F5344CB8AC3E}">
+        <p14:creationId xmlns:p14="http://schemas.microsoft.com/office/powerpoint/2010/main" val="2000561633"/>
       </p:ext>
     </p:extLst>
   </p:cSld>
